--- a/I Can Do It List Presentation.pptx
+++ b/I Can Do It List Presentation.pptx
@@ -5,19 +5,21 @@
     <p:sldMasterId id="2147483648" r:id="rId1"/>
   </p:sldMasterIdLst>
   <p:notesMasterIdLst>
-    <p:notesMasterId r:id="rId12"/>
+    <p:notesMasterId r:id="rId14"/>
   </p:notesMasterIdLst>
   <p:sldIdLst>
     <p:sldId id="256" r:id="rId2"/>
     <p:sldId id="268" r:id="rId3"/>
-    <p:sldId id="270" r:id="rId4"/>
-    <p:sldId id="265" r:id="rId5"/>
-    <p:sldId id="266" r:id="rId6"/>
-    <p:sldId id="267" r:id="rId7"/>
-    <p:sldId id="271" r:id="rId8"/>
-    <p:sldId id="269" r:id="rId9"/>
-    <p:sldId id="272" r:id="rId10"/>
-    <p:sldId id="261" r:id="rId11"/>
+    <p:sldId id="277" r:id="rId4"/>
+    <p:sldId id="270" r:id="rId5"/>
+    <p:sldId id="265" r:id="rId6"/>
+    <p:sldId id="274" r:id="rId7"/>
+    <p:sldId id="266" r:id="rId8"/>
+    <p:sldId id="275" r:id="rId9"/>
+    <p:sldId id="276" r:id="rId10"/>
+    <p:sldId id="269" r:id="rId11"/>
+    <p:sldId id="272" r:id="rId12"/>
+    <p:sldId id="261" r:id="rId13"/>
   </p:sldIdLst>
   <p:sldSz cx="9144000" cy="5143500" type="screen16x9"/>
   <p:notesSz cx="6858000" cy="9144000"/>
@@ -649,6 +651,174 @@
 </p:notes>
 </file>
 
+<file path=ppt/notesSlides/notesSlide11.xml><?xml version="1.0" encoding="utf-8"?>
+<p:notes xmlns:a="http://schemas.openxmlformats.org/drawingml/2006/main" xmlns:r="http://schemas.openxmlformats.org/officeDocument/2006/relationships" xmlns:p="http://schemas.openxmlformats.org/presentationml/2006/main">
+  <p:cSld>
+    <p:spTree>
+      <p:nvGrpSpPr>
+        <p:cNvPr id="1" name=""/>
+        <p:cNvGrpSpPr/>
+        <p:nvPr/>
+      </p:nvGrpSpPr>
+      <p:grpSpPr>
+        <a:xfrm>
+          <a:off x="0" y="0"/>
+          <a:ext cx="0" cy="0"/>
+          <a:chOff x="0" y="0"/>
+          <a:chExt cx="0" cy="0"/>
+        </a:xfrm>
+      </p:grpSpPr>
+      <p:sp>
+        <p:nvSpPr>
+          <p:cNvPr id="2" name="Rectangle 1"/>
+          <p:cNvSpPr>
+            <a:spLocks noGrp="1" noRot="1" noChangeAspect="1"/>
+          </p:cNvSpPr>
+          <p:nvPr>
+            <p:ph type="sldImg"/>
+          </p:nvPr>
+        </p:nvSpPr>
+        <p:spPr/>
+      </p:sp>
+      <p:sp>
+        <p:nvSpPr>
+          <p:cNvPr id="3" name="Rectangle 2"/>
+          <p:cNvSpPr>
+            <a:spLocks noGrp="1"/>
+          </p:cNvSpPr>
+          <p:nvPr>
+            <p:ph type="body" idx="1"/>
+          </p:nvPr>
+        </p:nvSpPr>
+        <p:spPr/>
+        <p:txBody>
+          <a:bodyPr/>
+          <a:lstStyle>
+            <a:extLst/>
+          </a:lstStyle>
+          <a:p>
+            <a:endParaRPr lang="en-US"/>
+          </a:p>
+        </p:txBody>
+      </p:sp>
+      <p:sp>
+        <p:nvSpPr>
+          <p:cNvPr id="4" name="Rectangle 3"/>
+          <p:cNvSpPr>
+            <a:spLocks noGrp="1"/>
+          </p:cNvSpPr>
+          <p:nvPr>
+            <p:ph type="sldNum" sz="quarter" idx="10"/>
+          </p:nvPr>
+        </p:nvSpPr>
+        <p:spPr/>
+        <p:txBody>
+          <a:bodyPr/>
+          <a:lstStyle>
+            <a:extLst/>
+          </a:lstStyle>
+          <a:p>
+            <a:fld id="{CA5D3BF3-D352-46FC-8343-31F56E6730EA}" type="slidenum">
+              <a:rPr lang="en-US" smtClean="0"/>
+              <a:pPr/>
+              <a:t>11</a:t>
+            </a:fld>
+            <a:endParaRPr lang="en-US"/>
+          </a:p>
+        </p:txBody>
+      </p:sp>
+    </p:spTree>
+  </p:cSld>
+  <p:clrMapOvr>
+    <a:masterClrMapping/>
+  </p:clrMapOvr>
+</p:notes>
+</file>
+
+<file path=ppt/notesSlides/notesSlide12.xml><?xml version="1.0" encoding="utf-8"?>
+<p:notes xmlns:a="http://schemas.openxmlformats.org/drawingml/2006/main" xmlns:r="http://schemas.openxmlformats.org/officeDocument/2006/relationships" xmlns:p="http://schemas.openxmlformats.org/presentationml/2006/main">
+  <p:cSld>
+    <p:spTree>
+      <p:nvGrpSpPr>
+        <p:cNvPr id="1" name=""/>
+        <p:cNvGrpSpPr/>
+        <p:nvPr/>
+      </p:nvGrpSpPr>
+      <p:grpSpPr>
+        <a:xfrm>
+          <a:off x="0" y="0"/>
+          <a:ext cx="0" cy="0"/>
+          <a:chOff x="0" y="0"/>
+          <a:chExt cx="0" cy="0"/>
+        </a:xfrm>
+      </p:grpSpPr>
+      <p:sp>
+        <p:nvSpPr>
+          <p:cNvPr id="2" name="Rectangle 1"/>
+          <p:cNvSpPr>
+            <a:spLocks noGrp="1" noRot="1" noChangeAspect="1"/>
+          </p:cNvSpPr>
+          <p:nvPr>
+            <p:ph type="sldImg"/>
+          </p:nvPr>
+        </p:nvSpPr>
+        <p:spPr/>
+      </p:sp>
+      <p:sp>
+        <p:nvSpPr>
+          <p:cNvPr id="3" name="Rectangle 2"/>
+          <p:cNvSpPr>
+            <a:spLocks noGrp="1"/>
+          </p:cNvSpPr>
+          <p:nvPr>
+            <p:ph type="body" idx="1"/>
+          </p:nvPr>
+        </p:nvSpPr>
+        <p:spPr/>
+        <p:txBody>
+          <a:bodyPr/>
+          <a:lstStyle>
+            <a:extLst/>
+          </a:lstStyle>
+          <a:p>
+            <a:endParaRPr lang="en-US"/>
+          </a:p>
+        </p:txBody>
+      </p:sp>
+      <p:sp>
+        <p:nvSpPr>
+          <p:cNvPr id="4" name="Rectangle 3"/>
+          <p:cNvSpPr>
+            <a:spLocks noGrp="1"/>
+          </p:cNvSpPr>
+          <p:nvPr>
+            <p:ph type="sldNum" sz="quarter" idx="10"/>
+          </p:nvPr>
+        </p:nvSpPr>
+        <p:spPr/>
+        <p:txBody>
+          <a:bodyPr/>
+          <a:lstStyle>
+            <a:extLst/>
+          </a:lstStyle>
+          <a:p>
+            <a:fld id="{CA5D3BF3-D352-46FC-8343-31F56E6730EA}" type="slidenum">
+              <a:rPr lang="en-US" smtClean="0"/>
+              <a:pPr/>
+              <a:t>12</a:t>
+            </a:fld>
+            <a:endParaRPr lang="en-US"/>
+          </a:p>
+        </p:txBody>
+      </p:sp>
+    </p:spTree>
+  </p:cSld>
+  <p:clrMapOvr>
+    <a:masterClrMapping/>
+  </p:clrMapOvr>
+</p:notes>
+</file>
+
 <file path=ppt/notesSlides/notesSlide2.xml><?xml version="1.0" encoding="utf-8"?>
 <p:notes xmlns:a="http://schemas.openxmlformats.org/drawingml/2006/main" xmlns:r="http://schemas.openxmlformats.org/officeDocument/2006/relationships" xmlns:p="http://schemas.openxmlformats.org/presentationml/2006/main">
   <p:cSld>
@@ -779,14 +949,6 @@
             <a:extLst/>
           </a:lstStyle>
           <a:p>
-            <a:r>
-              <a:rPr lang="en-US" dirty="0" smtClean="0"/>
-              <a:t>CRUD</a:t>
-            </a:r>
-            <a:r>
-              <a:rPr lang="en-US" baseline="0" dirty="0" smtClean="0"/>
-              <a:t> for transactions and budgets. CRU for vendors and tags. No delete allowed</a:t>
-            </a:r>
             <a:endParaRPr lang="en-US" dirty="0"/>
           </a:p>
         </p:txBody>
@@ -871,7 +1033,7 @@
             <a:extLst/>
           </a:lstStyle>
           <a:p>
-            <a:endParaRPr lang="en-US"/>
+            <a:endParaRPr lang="en-US" dirty="0"/>
           </a:p>
         </p:txBody>
       </p:sp>
@@ -1039,7 +1201,7 @@
             <a:extLst/>
           </a:lstStyle>
           <a:p>
-            <a:endParaRPr lang="en-US" dirty="0"/>
+            <a:endParaRPr lang="en-US"/>
           </a:p>
         </p:txBody>
       </p:sp>
@@ -4669,6 +4831,136 @@
           </a:p>
         </p:txBody>
       </p:sp>
+      <p:sp>
+        <p:nvSpPr>
+          <p:cNvPr id="2" name="TextBox 1"/>
+          <p:cNvSpPr txBox="1"/>
+          <p:nvPr/>
+        </p:nvSpPr>
+        <p:spPr>
+          <a:xfrm>
+            <a:off x="2166008" y="1634107"/>
+            <a:ext cx="184666" cy="369332"/>
+          </a:xfrm>
+          <a:prstGeom prst="rect">
+            <a:avLst/>
+          </a:prstGeom>
+          <a:noFill/>
+        </p:spPr>
+        <p:txBody>
+          <a:bodyPr wrap="none" rtlCol="0">
+            <a:spAutoFit/>
+          </a:bodyPr>
+          <a:lstStyle/>
+          <a:p>
+            <a:endParaRPr lang="en-US" dirty="0"/>
+          </a:p>
+        </p:txBody>
+      </p:sp>
+      <p:sp>
+        <p:nvSpPr>
+          <p:cNvPr id="3" name="TextBox 2"/>
+          <p:cNvSpPr txBox="1"/>
+          <p:nvPr/>
+        </p:nvSpPr>
+        <p:spPr>
+          <a:xfrm>
+            <a:off x="4745527" y="1132062"/>
+            <a:ext cx="184666" cy="369332"/>
+          </a:xfrm>
+          <a:prstGeom prst="rect">
+            <a:avLst/>
+          </a:prstGeom>
+          <a:noFill/>
+        </p:spPr>
+        <p:txBody>
+          <a:bodyPr wrap="none" rtlCol="0">
+            <a:spAutoFit/>
+          </a:bodyPr>
+          <a:lstStyle/>
+          <a:p>
+            <a:endParaRPr lang="en-US" dirty="0"/>
+          </a:p>
+        </p:txBody>
+      </p:sp>
+      <p:sp>
+        <p:nvSpPr>
+          <p:cNvPr id="6" name="TextBox 5"/>
+          <p:cNvSpPr txBox="1"/>
+          <p:nvPr/>
+        </p:nvSpPr>
+        <p:spPr>
+          <a:xfrm>
+            <a:off x="-541502" y="1496291"/>
+            <a:ext cx="184666" cy="369332"/>
+          </a:xfrm>
+          <a:prstGeom prst="rect">
+            <a:avLst/>
+          </a:prstGeom>
+          <a:noFill/>
+        </p:spPr>
+        <p:txBody>
+          <a:bodyPr wrap="none" rtlCol="0">
+            <a:spAutoFit/>
+          </a:bodyPr>
+          <a:lstStyle/>
+          <a:p>
+            <a:endParaRPr lang="en-US" dirty="0"/>
+          </a:p>
+        </p:txBody>
+      </p:sp>
+      <p:sp>
+        <p:nvSpPr>
+          <p:cNvPr id="7" name="TextBox 6"/>
+          <p:cNvSpPr txBox="1"/>
+          <p:nvPr/>
+        </p:nvSpPr>
+        <p:spPr>
+          <a:xfrm>
+            <a:off x="-147682" y="4479029"/>
+            <a:ext cx="184666" cy="369332"/>
+          </a:xfrm>
+          <a:prstGeom prst="rect">
+            <a:avLst/>
+          </a:prstGeom>
+          <a:noFill/>
+        </p:spPr>
+        <p:txBody>
+          <a:bodyPr wrap="none" rtlCol="0">
+            <a:spAutoFit/>
+          </a:bodyPr>
+          <a:lstStyle/>
+          <a:p>
+            <a:endParaRPr lang="en-US" dirty="0"/>
+          </a:p>
+        </p:txBody>
+      </p:sp>
+      <p:sp>
+        <p:nvSpPr>
+          <p:cNvPr id="8" name="TextBox 7"/>
+          <p:cNvSpPr txBox="1"/>
+          <p:nvPr/>
+        </p:nvSpPr>
+        <p:spPr>
+          <a:xfrm>
+            <a:off x="1496515" y="2362565"/>
+            <a:ext cx="184666" cy="369332"/>
+          </a:xfrm>
+          <a:prstGeom prst="rect">
+            <a:avLst/>
+          </a:prstGeom>
+          <a:noFill/>
+        </p:spPr>
+        <p:txBody>
+          <a:bodyPr wrap="none" rtlCol="0">
+            <a:spAutoFit/>
+          </a:bodyPr>
+          <a:lstStyle/>
+          <a:p>
+            <a:endParaRPr lang="en-US" dirty="0"/>
+          </a:p>
+        </p:txBody>
+      </p:sp>
     </p:spTree>
   </p:cSld>
   <p:clrMapOvr>
@@ -4685,6 +4977,332 @@
 </file>
 
 <file path=ppt/slides/slide10.xml><?xml version="1.0" encoding="utf-8"?>
+<p:sld xmlns:a="http://schemas.openxmlformats.org/drawingml/2006/main" xmlns:r="http://schemas.openxmlformats.org/officeDocument/2006/relationships" xmlns:p="http://schemas.openxmlformats.org/presentationml/2006/main">
+  <p:cSld>
+    <p:spTree>
+      <p:nvGrpSpPr>
+        <p:cNvPr id="1" name=""/>
+        <p:cNvGrpSpPr/>
+        <p:nvPr/>
+      </p:nvGrpSpPr>
+      <p:grpSpPr>
+        <a:xfrm>
+          <a:off x="0" y="0"/>
+          <a:ext cx="0" cy="0"/>
+          <a:chOff x="0" y="0"/>
+          <a:chExt cx="0" cy="0"/>
+        </a:xfrm>
+      </p:grpSpPr>
+      <p:sp>
+        <p:nvSpPr>
+          <p:cNvPr id="2" name="Rectangle 1"/>
+          <p:cNvSpPr>
+            <a:spLocks noGrp="1"/>
+          </p:cNvSpPr>
+          <p:nvPr>
+            <p:ph type="title"/>
+          </p:nvPr>
+        </p:nvSpPr>
+        <p:spPr/>
+        <p:txBody>
+          <a:bodyPr/>
+          <a:lstStyle>
+            <a:extLst/>
+          </a:lstStyle>
+          <a:p>
+            <a:r>
+              <a:rPr lang="en-US" dirty="0" smtClean="0"/>
+              <a:t>Future Functionality </a:t>
+            </a:r>
+            <a:r>
+              <a:rPr lang="mr-IN" dirty="0" smtClean="0"/>
+              <a:t>–</a:t>
+            </a:r>
+            <a:r>
+              <a:rPr lang="en-US" dirty="0" smtClean="0"/>
+              <a:t> Version 2 !!</a:t>
+            </a:r>
+            <a:endParaRPr lang="en-US" dirty="0"/>
+          </a:p>
+        </p:txBody>
+      </p:sp>
+      <p:sp>
+        <p:nvSpPr>
+          <p:cNvPr id="3" name="Rectangle 2"/>
+          <p:cNvSpPr>
+            <a:spLocks noGrp="1"/>
+          </p:cNvSpPr>
+          <p:nvPr>
+            <p:ph sz="quarter" idx="13"/>
+          </p:nvPr>
+        </p:nvSpPr>
+        <p:spPr>
+          <a:xfrm>
+            <a:off x="609600" y="1352551"/>
+            <a:ext cx="8153400" cy="3124199"/>
+          </a:xfrm>
+        </p:spPr>
+        <p:txBody>
+          <a:bodyPr>
+            <a:normAutofit/>
+          </a:bodyPr>
+          <a:lstStyle>
+            <a:extLst/>
+          </a:lstStyle>
+          <a:p>
+            <a:pPr>
+              <a:buFont typeface="Arial"/>
+              <a:buChar char="•"/>
+            </a:pPr>
+            <a:r>
+              <a:rPr lang="en-US" sz="2400" dirty="0" smtClean="0"/>
+              <a:t>Allow to mark task as complete on Task List screen</a:t>
+            </a:r>
+          </a:p>
+          <a:p>
+            <a:pPr>
+              <a:buFont typeface="Arial"/>
+              <a:buChar char="•"/>
+            </a:pPr>
+            <a:r>
+              <a:rPr lang="en-US" sz="2400" dirty="0" smtClean="0"/>
+              <a:t>Rag Status </a:t>
+            </a:r>
+            <a:r>
+              <a:rPr lang="mr-IN" sz="2400" dirty="0" smtClean="0"/>
+              <a:t>–</a:t>
+            </a:r>
+            <a:r>
+              <a:rPr lang="en-US" sz="2400" dirty="0" smtClean="0"/>
+              <a:t> RED, AMBER GREEN to show task status progress</a:t>
+            </a:r>
+            <a:endParaRPr lang="en-US" sz="2400" dirty="0"/>
+          </a:p>
+          <a:p>
+            <a:pPr>
+              <a:buFont typeface="Arial"/>
+              <a:buChar char="•"/>
+            </a:pPr>
+            <a:r>
+              <a:rPr lang="en-US" sz="2400" dirty="0" smtClean="0"/>
+              <a:t>Sort options (Priority + A-Z), A-Z only</a:t>
+            </a:r>
+          </a:p>
+          <a:p>
+            <a:pPr>
+              <a:buFont typeface="Arial"/>
+              <a:buChar char="•"/>
+            </a:pPr>
+            <a:r>
+              <a:rPr lang="en-US" sz="2400" dirty="0" smtClean="0"/>
+              <a:t>Dialog prompt for Delete Task</a:t>
+            </a:r>
+          </a:p>
+          <a:p>
+            <a:pPr>
+              <a:buFont typeface="Arial"/>
+              <a:buChar char="•"/>
+            </a:pPr>
+            <a:r>
+              <a:rPr lang="en-US" sz="2400" dirty="0" smtClean="0"/>
+              <a:t>Improve Styling</a:t>
+            </a:r>
+          </a:p>
+          <a:p>
+            <a:pPr>
+              <a:buFont typeface="Arial"/>
+              <a:buChar char="•"/>
+            </a:pPr>
+            <a:r>
+              <a:rPr lang="en-US" sz="2400" dirty="0" smtClean="0"/>
+              <a:t>Refactor code </a:t>
+            </a:r>
+            <a:r>
+              <a:rPr lang="mr-IN" sz="2400" dirty="0" smtClean="0"/>
+              <a:t>–</a:t>
+            </a:r>
+            <a:r>
+              <a:rPr lang="en-US" sz="2400" dirty="0" smtClean="0"/>
+              <a:t> shared preferences helper class</a:t>
+            </a:r>
+          </a:p>
+          <a:p>
+            <a:pPr>
+              <a:buFont typeface="Arial"/>
+              <a:buChar char="•"/>
+            </a:pPr>
+            <a:endParaRPr lang="en-US" dirty="0" smtClean="0"/>
+          </a:p>
+          <a:p>
+            <a:pPr>
+              <a:buFont typeface="Arial"/>
+              <a:buChar char="•"/>
+            </a:pPr>
+            <a:endParaRPr lang="en-US" dirty="0" smtClean="0"/>
+          </a:p>
+        </p:txBody>
+      </p:sp>
+    </p:spTree>
+    <p:extLst>
+      <p:ext uri="{BB962C8B-B14F-4D97-AF65-F5344CB8AC3E}">
+        <p14:creationId xmlns:p14="http://schemas.microsoft.com/office/powerpoint/2010/main" val="2329941418"/>
+      </p:ext>
+    </p:extLst>
+  </p:cSld>
+  <p:clrMapOvr>
+    <a:masterClrMapping/>
+  </p:clrMapOvr>
+  <p:timing>
+    <p:tnLst>
+      <p:par>
+        <p:cTn xmlns:p14="http://schemas.microsoft.com/office/powerpoint/2010/main" id="1" dur="indefinite" restart="never" nodeType="tmRoot"/>
+      </p:par>
+    </p:tnLst>
+  </p:timing>
+</p:sld>
+</file>
+
+<file path=ppt/slides/slide11.xml><?xml version="1.0" encoding="utf-8"?>
+<p:sld xmlns:a="http://schemas.openxmlformats.org/drawingml/2006/main" xmlns:r="http://schemas.openxmlformats.org/officeDocument/2006/relationships" xmlns:p="http://schemas.openxmlformats.org/presentationml/2006/main">
+  <p:cSld>
+    <p:spTree>
+      <p:nvGrpSpPr>
+        <p:cNvPr id="1" name=""/>
+        <p:cNvGrpSpPr/>
+        <p:nvPr/>
+      </p:nvGrpSpPr>
+      <p:grpSpPr>
+        <a:xfrm>
+          <a:off x="0" y="0"/>
+          <a:ext cx="0" cy="0"/>
+          <a:chOff x="0" y="0"/>
+          <a:chExt cx="0" cy="0"/>
+        </a:xfrm>
+      </p:grpSpPr>
+      <p:sp>
+        <p:nvSpPr>
+          <p:cNvPr id="2" name="Rectangle 1"/>
+          <p:cNvSpPr>
+            <a:spLocks noGrp="1"/>
+          </p:cNvSpPr>
+          <p:nvPr>
+            <p:ph type="title"/>
+          </p:nvPr>
+        </p:nvSpPr>
+        <p:spPr/>
+        <p:txBody>
+          <a:bodyPr/>
+          <a:lstStyle>
+            <a:extLst/>
+          </a:lstStyle>
+          <a:p>
+            <a:r>
+              <a:rPr lang="en-US" dirty="0" smtClean="0"/>
+              <a:t>Lessons learned</a:t>
+            </a:r>
+            <a:endParaRPr lang="en-US" dirty="0"/>
+          </a:p>
+        </p:txBody>
+      </p:sp>
+      <p:sp>
+        <p:nvSpPr>
+          <p:cNvPr id="3" name="Rectangle 2"/>
+          <p:cNvSpPr>
+            <a:spLocks noGrp="1"/>
+          </p:cNvSpPr>
+          <p:nvPr>
+            <p:ph sz="quarter" idx="13"/>
+          </p:nvPr>
+        </p:nvSpPr>
+        <p:spPr>
+          <a:xfrm>
+            <a:off x="609600" y="1352551"/>
+            <a:ext cx="8153400" cy="3124199"/>
+          </a:xfrm>
+        </p:spPr>
+        <p:txBody>
+          <a:bodyPr>
+            <a:normAutofit/>
+          </a:bodyPr>
+          <a:lstStyle>
+            <a:extLst/>
+          </a:lstStyle>
+          <a:p>
+            <a:pPr>
+              <a:buFont typeface="Arial"/>
+              <a:buChar char="•"/>
+            </a:pPr>
+            <a:r>
+              <a:rPr lang="en-US" sz="2400" dirty="0" smtClean="0"/>
+              <a:t>Daily to do list </a:t>
+            </a:r>
+            <a:r>
+              <a:rPr lang="en-US" sz="2400" dirty="0" smtClean="0"/>
+              <a:t>helpful</a:t>
+            </a:r>
+          </a:p>
+          <a:p>
+            <a:pPr>
+              <a:buFont typeface="Arial"/>
+              <a:buChar char="•"/>
+            </a:pPr>
+            <a:r>
+              <a:rPr lang="en-US" sz="2400" dirty="0" smtClean="0"/>
+              <a:t>I think I would prefer to work with a database rather than shared preferences </a:t>
+            </a:r>
+            <a:endParaRPr lang="en-US" sz="2400" dirty="0" smtClean="0"/>
+          </a:p>
+          <a:p>
+            <a:pPr>
+              <a:buFont typeface="Arial"/>
+              <a:buChar char="•"/>
+            </a:pPr>
+            <a:endParaRPr lang="en-US" sz="2400" dirty="0" smtClean="0"/>
+          </a:p>
+          <a:p>
+            <a:pPr>
+              <a:buFont typeface="Arial"/>
+              <a:buChar char="•"/>
+            </a:pPr>
+            <a:endParaRPr lang="en-US" dirty="0" smtClean="0"/>
+          </a:p>
+          <a:p>
+            <a:pPr>
+              <a:buFont typeface="Arial"/>
+              <a:buChar char="•"/>
+            </a:pPr>
+            <a:endParaRPr lang="en-US" dirty="0" smtClean="0"/>
+          </a:p>
+          <a:p>
+            <a:pPr>
+              <a:buFont typeface="Arial"/>
+              <a:buChar char="•"/>
+            </a:pPr>
+            <a:endParaRPr lang="en-US" dirty="0"/>
+          </a:p>
+        </p:txBody>
+      </p:sp>
+    </p:spTree>
+    <p:extLst>
+      <p:ext uri="{BB962C8B-B14F-4D97-AF65-F5344CB8AC3E}">
+        <p14:creationId xmlns:p14="http://schemas.microsoft.com/office/powerpoint/2010/main" val="1265696758"/>
+      </p:ext>
+    </p:extLst>
+  </p:cSld>
+  <p:clrMapOvr>
+    <a:masterClrMapping/>
+  </p:clrMapOvr>
+  <p:timing>
+    <p:tnLst>
+      <p:par>
+        <p:cTn xmlns:p14="http://schemas.microsoft.com/office/powerpoint/2010/main" id="1" dur="indefinite" restart="never" nodeType="tmRoot"/>
+      </p:par>
+    </p:tnLst>
+  </p:timing>
+</p:sld>
+</file>
+
+<file path=ppt/slides/slide12.xml><?xml version="1.0" encoding="utf-8"?>
 <p:sld xmlns:a="http://schemas.openxmlformats.org/drawingml/2006/main" xmlns:r="http://schemas.openxmlformats.org/officeDocument/2006/relationships" xmlns:p="http://schemas.openxmlformats.org/presentationml/2006/main">
   <p:cSld>
     <p:bg>
@@ -4733,31 +5351,18 @@
           </a:p>
         </p:txBody>
       </p:sp>
-      <p:pic>
-        <p:nvPicPr>
-          <p:cNvPr id="6" name="Picture Placeholder 5" descr="money.jpg"/>
-          <p:cNvPicPr>
-            <a:picLocks noGrp="1" noChangeAspect="1"/>
-          </p:cNvPicPr>
+      <p:sp>
+        <p:nvSpPr>
+          <p:cNvPr id="2" name="Picture Placeholder 1"/>
+          <p:cNvSpPr>
+            <a:spLocks noGrp="1"/>
+          </p:cNvSpPr>
           <p:nvPr>
             <p:ph type="pic" idx="1"/>
           </p:nvPr>
-        </p:nvPicPr>
-        <p:blipFill>
-          <a:blip r:embed="rId3">
-            <a:extLst>
-              <a:ext uri="{28A0092B-C50C-407E-A947-70E740481C1C}">
-                <a14:useLocalDpi xmlns:a14="http://schemas.microsoft.com/office/drawing/2010/main" val="0"/>
-              </a:ext>
-            </a:extLst>
-          </a:blip>
-          <a:srcRect t="9936" b="9936"/>
-          <a:stretch>
-            <a:fillRect/>
-          </a:stretch>
-        </p:blipFill>
-        <p:spPr/>
-      </p:pic>
+        </p:nvSpPr>
+        <p:spPr/>
+      </p:sp>
     </p:spTree>
   </p:cSld>
   <p:clrMapOvr>
@@ -4809,7 +5414,7 @@
           <a:p>
             <a:r>
               <a:rPr lang="en-GB" dirty="0" smtClean="0"/>
-              <a:t>MVP + Extensions</a:t>
+              <a:t>MVP </a:t>
             </a:r>
             <a:endParaRPr lang="en-US" dirty="0"/>
           </a:p>
@@ -4842,11 +5447,113 @@
             <a:pPr marL="0" indent="0">
               <a:buNone/>
             </a:pPr>
-            <a:r>
-              <a:rPr lang="fi-FI" b="1" dirty="0" smtClean="0"/>
-              <a:t/>
-            </a:r>
             <a:endParaRPr lang="fi-FI" b="1" dirty="0"/>
+          </a:p>
+        </p:txBody>
+      </p:sp>
+      <p:sp>
+        <p:nvSpPr>
+          <p:cNvPr id="7" name="Rectangle 2"/>
+          <p:cNvSpPr>
+            <a:spLocks noGrp="1"/>
+          </p:cNvSpPr>
+          <p:nvPr>
+            <p:ph sz="quarter" idx="13"/>
+          </p:nvPr>
+        </p:nvSpPr>
+        <p:spPr>
+          <a:xfrm>
+            <a:off x="762000" y="1504951"/>
+            <a:ext cx="8153400" cy="3124199"/>
+          </a:xfrm>
+        </p:spPr>
+        <p:txBody>
+          <a:bodyPr>
+            <a:normAutofit fontScale="92500" lnSpcReduction="20000"/>
+          </a:bodyPr>
+          <a:lstStyle>
+            <a:extLst/>
+          </a:lstStyle>
+          <a:p>
+            <a:pPr>
+              <a:buFont typeface="Arial"/>
+              <a:buChar char="•"/>
+            </a:pPr>
+            <a:r>
+              <a:rPr lang="en-US" dirty="0" smtClean="0"/>
+              <a:t>Create an </a:t>
+            </a:r>
+            <a:r>
+              <a:rPr lang="en-US" dirty="0"/>
+              <a:t>Android app which will allow the user to maintain a task list. </a:t>
+            </a:r>
+            <a:endParaRPr lang="en-US" dirty="0" smtClean="0"/>
+          </a:p>
+          <a:p>
+            <a:pPr>
+              <a:buFont typeface="Arial"/>
+              <a:buChar char="•"/>
+            </a:pPr>
+            <a:r>
+              <a:rPr lang="en-US" dirty="0" smtClean="0"/>
+              <a:t>The </a:t>
+            </a:r>
+            <a:r>
+              <a:rPr lang="en-US" dirty="0"/>
+              <a:t>user should be able to enter tasks and display them in a list. </a:t>
+            </a:r>
+            <a:endParaRPr lang="en-US" dirty="0" smtClean="0"/>
+          </a:p>
+          <a:p>
+            <a:pPr>
+              <a:buFont typeface="Arial"/>
+              <a:buChar char="•"/>
+            </a:pPr>
+            <a:r>
+              <a:rPr lang="en-US" dirty="0" smtClean="0"/>
+              <a:t>The </a:t>
+            </a:r>
+            <a:r>
+              <a:rPr lang="en-US" dirty="0"/>
+              <a:t>list should only show the bare details of each </a:t>
+            </a:r>
+            <a:r>
+              <a:rPr lang="en-US" dirty="0" smtClean="0"/>
+              <a:t>task.</a:t>
+            </a:r>
+          </a:p>
+          <a:p>
+            <a:pPr>
+              <a:buFont typeface="Arial"/>
+              <a:buChar char="•"/>
+            </a:pPr>
+            <a:r>
+              <a:rPr lang="en-US" dirty="0" smtClean="0"/>
+              <a:t>Selecting </a:t>
+            </a:r>
+            <a:r>
+              <a:rPr lang="en-US" dirty="0"/>
+              <a:t>a task from the list should bring up another screen which shows full details of the task. Users should also be able to mark tasks as completed.</a:t>
+            </a:r>
+            <a:endParaRPr lang="en-US" dirty="0" smtClean="0"/>
+          </a:p>
+          <a:p>
+            <a:pPr marL="0" indent="0">
+              <a:buNone/>
+            </a:pPr>
+            <a:endParaRPr lang="en-US" dirty="0" smtClean="0"/>
+          </a:p>
+          <a:p>
+            <a:pPr marL="0" indent="0">
+              <a:buNone/>
+            </a:pPr>
+            <a:endParaRPr lang="en-US" dirty="0"/>
+          </a:p>
+          <a:p>
+            <a:pPr marL="0" indent="0">
+              <a:buNone/>
+            </a:pPr>
+            <a:endParaRPr lang="en-US" dirty="0" smtClean="0"/>
           </a:p>
         </p:txBody>
       </p:sp>
@@ -4906,7 +5613,11 @@
           <a:p>
             <a:r>
               <a:rPr lang="en-GB" dirty="0" smtClean="0"/>
-              <a:t>Olga’s Extensions !</a:t>
+              <a:t>User Story</a:t>
+            </a:r>
+            <a:r>
+              <a:rPr lang="en-GB" dirty="0" smtClean="0"/>
+              <a:t> </a:t>
             </a:r>
             <a:endParaRPr lang="en-US" dirty="0"/>
           </a:p>
@@ -4941,8 +5652,41 @@
               <a:buChar char="•"/>
             </a:pPr>
             <a:r>
+              <a:rPr lang="en-US" dirty="0"/>
+              <a:t>Typical user wants a simple to use app</a:t>
+            </a:r>
+          </a:p>
+          <a:p>
+            <a:pPr>
+              <a:buFont typeface="Arial"/>
+              <a:buChar char="•"/>
+            </a:pPr>
+            <a:r>
+              <a:rPr lang="en-US" dirty="0"/>
+              <a:t>Not interested in entering due dates for tasks as gets enough notifications </a:t>
+            </a:r>
+            <a:r>
+              <a:rPr lang="mr-IN" dirty="0"/>
+              <a:t>–</a:t>
+            </a:r>
+            <a:r>
+              <a:rPr lang="en-US" dirty="0"/>
+              <a:t> can use phone calendar if needs a date </a:t>
+            </a:r>
+            <a:r>
               <a:rPr lang="en-US" dirty="0" smtClean="0"/>
-              <a:t>Menu option to allow different filters of task list</a:t>
+              <a:t>prompt !</a:t>
+            </a:r>
+            <a:endParaRPr lang="en-US" dirty="0"/>
+          </a:p>
+          <a:p>
+            <a:pPr>
+              <a:buFont typeface="Arial"/>
+              <a:buChar char="•"/>
+            </a:pPr>
+            <a:r>
+              <a:rPr lang="en-US" dirty="0"/>
+              <a:t>Likes visuals and wants to be able to mark tasks as a priority and see a list of priority only tasks</a:t>
             </a:r>
           </a:p>
           <a:p>
@@ -4956,6 +5700,12 @@
             <a:pPr marL="0" indent="0">
               <a:buNone/>
             </a:pPr>
+            <a:endParaRPr lang="en-US" dirty="0" smtClean="0"/>
+          </a:p>
+          <a:p>
+            <a:pPr marL="0" indent="0">
+              <a:buNone/>
+            </a:pPr>
             <a:endParaRPr lang="en-US" dirty="0"/>
           </a:p>
           <a:p>
@@ -4969,7 +5719,7 @@
     </p:spTree>
     <p:extLst>
       <p:ext uri="{BB962C8B-B14F-4D97-AF65-F5344CB8AC3E}">
-        <p14:creationId xmlns:p14="http://schemas.microsoft.com/office/powerpoint/2010/main" val="2527149925"/>
+        <p14:creationId xmlns:p14="http://schemas.microsoft.com/office/powerpoint/2010/main" val="2798229961"/>
       </p:ext>
     </p:extLst>
   </p:cSld>
@@ -5021,57 +5771,105 @@
           </a:lstStyle>
           <a:p>
             <a:r>
-              <a:rPr lang="en-US" dirty="0" smtClean="0"/>
-              <a:t>Planning </a:t>
-            </a:r>
-            <a:r>
-              <a:rPr lang="mr-IN" dirty="0" smtClean="0"/>
-              <a:t>–</a:t>
-            </a:r>
-            <a:r>
-              <a:rPr lang="en-US" dirty="0" smtClean="0"/>
-              <a:t> </a:t>
-            </a:r>
-            <a:r>
-              <a:rPr lang="en-US" dirty="0" err="1" smtClean="0"/>
-              <a:t>Trello</a:t>
-            </a:r>
-            <a:r>
-              <a:rPr lang="en-US" dirty="0" smtClean="0"/>
-              <a:t> Board</a:t>
+              <a:rPr lang="en-GB" dirty="0" smtClean="0"/>
+              <a:t>Olga’s Extensions </a:t>
             </a:r>
             <a:endParaRPr lang="en-US" dirty="0"/>
           </a:p>
         </p:txBody>
       </p:sp>
-      <p:pic>
-        <p:nvPicPr>
-          <p:cNvPr id="6" name="Picture 5"/>
-          <p:cNvPicPr>
-            <a:picLocks noChangeAspect="1"/>
-          </p:cNvPicPr>
-          <p:nvPr/>
-        </p:nvPicPr>
-        <p:blipFill>
-          <a:blip r:embed="rId3"/>
-          <a:stretch>
-            <a:fillRect/>
-          </a:stretch>
-        </p:blipFill>
+      <p:sp>
+        <p:nvSpPr>
+          <p:cNvPr id="3" name="Rectangle 2"/>
+          <p:cNvSpPr>
+            <a:spLocks noGrp="1"/>
+          </p:cNvSpPr>
+          <p:nvPr>
+            <p:ph sz="quarter" idx="13"/>
+          </p:nvPr>
+        </p:nvSpPr>
         <p:spPr>
           <a:xfrm>
-            <a:off x="381000" y="1428750"/>
-            <a:ext cx="8458200" cy="3667063"/>
+            <a:off x="609600" y="1352551"/>
+            <a:ext cx="8153400" cy="3124199"/>
           </a:xfrm>
-          <a:prstGeom prst="rect">
-            <a:avLst/>
-          </a:prstGeom>
         </p:spPr>
-      </p:pic>
+        <p:txBody>
+          <a:bodyPr>
+            <a:normAutofit/>
+          </a:bodyPr>
+          <a:lstStyle>
+            <a:extLst/>
+          </a:lstStyle>
+          <a:p>
+            <a:pPr>
+              <a:buFont typeface="Arial"/>
+              <a:buChar char="•"/>
+            </a:pPr>
+            <a:r>
+              <a:rPr lang="en-US" dirty="0" smtClean="0"/>
+              <a:t>Menu options to allow:</a:t>
+            </a:r>
+          </a:p>
+          <a:p>
+            <a:pPr marL="0" indent="0">
+              <a:buNone/>
+            </a:pPr>
+            <a:r>
+              <a:rPr lang="en-US" dirty="0" smtClean="0"/>
+              <a:t>	- Different filters of task list</a:t>
+            </a:r>
+          </a:p>
+          <a:p>
+            <a:pPr marL="0" indent="0">
+              <a:buNone/>
+            </a:pPr>
+            <a:r>
+              <a:rPr lang="en-US" dirty="0" smtClean="0"/>
+              <a:t>	- Another option to add a New Task</a:t>
+            </a:r>
+          </a:p>
+          <a:p>
+            <a:pPr>
+              <a:buFont typeface="Arial"/>
+              <a:buChar char="•"/>
+            </a:pPr>
+            <a:r>
+              <a:rPr lang="en-US" dirty="0" smtClean="0"/>
+              <a:t>Priority checkbox on New Task and Edit Task</a:t>
+            </a:r>
+          </a:p>
+          <a:p>
+            <a:pPr>
+              <a:buFont typeface="Arial"/>
+              <a:buChar char="•"/>
+            </a:pPr>
+            <a:endParaRPr lang="en-US" dirty="0" smtClean="0"/>
+          </a:p>
+          <a:p>
+            <a:pPr marL="0" indent="0">
+              <a:buNone/>
+            </a:pPr>
+            <a:endParaRPr lang="en-US" dirty="0" smtClean="0"/>
+          </a:p>
+          <a:p>
+            <a:pPr marL="0" indent="0">
+              <a:buNone/>
+            </a:pPr>
+            <a:endParaRPr lang="en-US" dirty="0"/>
+          </a:p>
+          <a:p>
+            <a:pPr marL="0" indent="0">
+              <a:buNone/>
+            </a:pPr>
+            <a:endParaRPr lang="en-US" dirty="0" smtClean="0"/>
+          </a:p>
+        </p:txBody>
+      </p:sp>
     </p:spTree>
     <p:extLst>
       <p:ext uri="{BB962C8B-B14F-4D97-AF65-F5344CB8AC3E}">
-        <p14:creationId xmlns:p14="http://schemas.microsoft.com/office/powerpoint/2010/main" val="4203616305"/>
+        <p14:creationId xmlns:p14="http://schemas.microsoft.com/office/powerpoint/2010/main" val="2527149925"/>
       </p:ext>
     </p:extLst>
   </p:cSld>
@@ -5124,7 +5922,23 @@
           <a:p>
             <a:r>
               <a:rPr lang="en-US" dirty="0" smtClean="0"/>
-              <a:t>Class Diagram</a:t>
+              <a:t>Planning </a:t>
+            </a:r>
+            <a:r>
+              <a:rPr lang="mr-IN" dirty="0" smtClean="0"/>
+              <a:t>–</a:t>
+            </a:r>
+            <a:r>
+              <a:rPr lang="en-US" dirty="0" smtClean="0"/>
+              <a:t> </a:t>
+            </a:r>
+            <a:r>
+              <a:rPr lang="en-US" dirty="0" err="1" smtClean="0"/>
+              <a:t>Trello</a:t>
+            </a:r>
+            <a:r>
+              <a:rPr lang="en-US" dirty="0" smtClean="0"/>
+              <a:t> Board</a:t>
             </a:r>
             <a:endParaRPr lang="en-US" dirty="0"/>
           </a:p>
@@ -5132,7 +5946,7 @@
       </p:sp>
       <p:pic>
         <p:nvPicPr>
-          <p:cNvPr id="10" name="Picture 9"/>
+          <p:cNvPr id="3" name="Picture 2"/>
           <p:cNvPicPr>
             <a:picLocks noChangeAspect="1"/>
           </p:cNvPicPr>
@@ -5146,8 +5960,8 @@
         </p:blipFill>
         <p:spPr>
           <a:xfrm>
-            <a:off x="228600" y="1428751"/>
-            <a:ext cx="8229599" cy="3352799"/>
+            <a:off x="381000" y="1504950"/>
+            <a:ext cx="8478220" cy="3505200"/>
           </a:xfrm>
           <a:prstGeom prst="rect">
             <a:avLst/>
@@ -5157,7 +5971,7 @@
     </p:spTree>
     <p:extLst>
       <p:ext uri="{BB962C8B-B14F-4D97-AF65-F5344CB8AC3E}">
-        <p14:creationId xmlns:p14="http://schemas.microsoft.com/office/powerpoint/2010/main" val="1844951773"/>
+        <p14:creationId xmlns:p14="http://schemas.microsoft.com/office/powerpoint/2010/main" val="4203616305"/>
       </p:ext>
     </p:extLst>
   </p:cSld>
@@ -5211,36 +6025,8 @@
           </a:lstStyle>
           <a:p>
             <a:r>
-              <a:rPr lang="en-US" dirty="0"/>
-              <a:t>Budgets </a:t>
-            </a:r>
-            <a:r>
-              <a:rPr lang="mr-IN" dirty="0"/>
-              <a:t>–</a:t>
-            </a:r>
-            <a:r>
-              <a:rPr lang="en-US" dirty="0"/>
-              <a:t> Display actual/budget amount by month </a:t>
-            </a:r>
-            <a:r>
-              <a:rPr lang="mr-IN" dirty="0"/>
-              <a:t>–</a:t>
-            </a:r>
-            <a:r>
-              <a:rPr lang="en-US" dirty="0"/>
-              <a:t> </a:t>
-            </a:r>
-            <a:r>
               <a:rPr lang="en-US" dirty="0" smtClean="0"/>
-              <a:t>Budget </a:t>
-            </a:r>
-            <a:r>
-              <a:rPr lang="en-US" dirty="0"/>
-              <a:t>Class </a:t>
-            </a:r>
-            <a:r>
-              <a:rPr lang="en-US" dirty="0" smtClean="0"/>
-              <a:t>methods</a:t>
+              <a:t>Initial Brain Dump + Use Case Diagram</a:t>
             </a:r>
             <a:endParaRPr lang="en-US" dirty="0"/>
           </a:p>
@@ -5248,7 +6034,7 @@
       </p:sp>
       <p:pic>
         <p:nvPicPr>
-          <p:cNvPr id="16" name="Picture 15"/>
+          <p:cNvPr id="5" name="Picture 4"/>
           <p:cNvPicPr>
             <a:picLocks noChangeAspect="1"/>
           </p:cNvPicPr>
@@ -5262,8 +6048,32 @@
         </p:blipFill>
         <p:spPr>
           <a:xfrm>
-            <a:off x="152400" y="1352550"/>
-            <a:ext cx="8839200" cy="3634724"/>
+            <a:off x="5715000" y="1352550"/>
+            <a:ext cx="2720259" cy="3694596"/>
+          </a:xfrm>
+          <a:prstGeom prst="rect">
+            <a:avLst/>
+          </a:prstGeom>
+        </p:spPr>
+      </p:pic>
+      <p:pic>
+        <p:nvPicPr>
+          <p:cNvPr id="7" name="Picture 6"/>
+          <p:cNvPicPr>
+            <a:picLocks noChangeAspect="1"/>
+          </p:cNvPicPr>
+          <p:nvPr/>
+        </p:nvPicPr>
+        <p:blipFill>
+          <a:blip r:embed="rId4"/>
+          <a:stretch>
+            <a:fillRect/>
+          </a:stretch>
+        </p:blipFill>
+        <p:spPr>
+          <a:xfrm>
+            <a:off x="1219200" y="1266304"/>
+            <a:ext cx="2732672" cy="3853913"/>
           </a:xfrm>
           <a:prstGeom prst="rect">
             <a:avLst/>
@@ -5273,7 +6083,7 @@
     </p:spTree>
     <p:extLst>
       <p:ext uri="{BB962C8B-B14F-4D97-AF65-F5344CB8AC3E}">
-        <p14:creationId xmlns:p14="http://schemas.microsoft.com/office/powerpoint/2010/main" val="1770663921"/>
+        <p14:creationId xmlns:p14="http://schemas.microsoft.com/office/powerpoint/2010/main" val="643751458"/>
       </p:ext>
     </p:extLst>
   </p:cSld>
@@ -5319,32 +6129,14 @@
         </p:nvSpPr>
         <p:spPr/>
         <p:txBody>
-          <a:bodyPr>
-            <a:normAutofit fontScale="90000"/>
-          </a:bodyPr>
+          <a:bodyPr/>
           <a:lstStyle>
             <a:extLst/>
           </a:lstStyle>
           <a:p>
             <a:r>
               <a:rPr lang="en-US" dirty="0" smtClean="0"/>
-              <a:t>Budgets </a:t>
-            </a:r>
-            <a:r>
-              <a:rPr lang="mr-IN" dirty="0" smtClean="0"/>
-              <a:t>–</a:t>
-            </a:r>
-            <a:r>
-              <a:rPr lang="en-US" dirty="0" smtClean="0"/>
-              <a:t> Display actual amount by month </a:t>
-            </a:r>
-            <a:r>
-              <a:rPr lang="mr-IN" dirty="0" smtClean="0"/>
-              <a:t>–</a:t>
-            </a:r>
-            <a:r>
-              <a:rPr lang="en-US" dirty="0" smtClean="0"/>
-              <a:t> Transaction Class method</a:t>
+              <a:t>Class Diagram &amp; Object Diagram</a:t>
             </a:r>
             <a:endParaRPr lang="en-US" dirty="0"/>
           </a:p>
@@ -5352,7 +6144,7 @@
       </p:sp>
       <p:pic>
         <p:nvPicPr>
-          <p:cNvPr id="13" name="Picture 12"/>
+          <p:cNvPr id="3" name="Picture 2"/>
           <p:cNvPicPr>
             <a:picLocks noChangeAspect="1"/>
           </p:cNvPicPr>
@@ -5366,8 +6158,32 @@
         </p:blipFill>
         <p:spPr>
           <a:xfrm>
-            <a:off x="0" y="1809750"/>
-            <a:ext cx="9144000" cy="3132249"/>
+            <a:off x="838200" y="1491364"/>
+            <a:ext cx="2514600" cy="3620386"/>
+          </a:xfrm>
+          <a:prstGeom prst="rect">
+            <a:avLst/>
+          </a:prstGeom>
+        </p:spPr>
+      </p:pic>
+      <p:pic>
+        <p:nvPicPr>
+          <p:cNvPr id="4" name="Picture 3"/>
+          <p:cNvPicPr>
+            <a:picLocks noChangeAspect="1"/>
+          </p:cNvPicPr>
+          <p:nvPr/>
+        </p:nvPicPr>
+        <p:blipFill>
+          <a:blip r:embed="rId4"/>
+          <a:stretch>
+            <a:fillRect/>
+          </a:stretch>
+        </p:blipFill>
+        <p:spPr>
+          <a:xfrm>
+            <a:off x="3886200" y="1504950"/>
+            <a:ext cx="4572000" cy="3062797"/>
           </a:xfrm>
           <a:prstGeom prst="rect">
             <a:avLst/>
@@ -5377,7 +6193,7 @@
     </p:spTree>
     <p:extLst>
       <p:ext uri="{BB962C8B-B14F-4D97-AF65-F5344CB8AC3E}">
-        <p14:creationId xmlns:p14="http://schemas.microsoft.com/office/powerpoint/2010/main" val="3884020337"/>
+        <p14:creationId xmlns:p14="http://schemas.microsoft.com/office/powerpoint/2010/main" val="1844951773"/>
       </p:ext>
     </p:extLst>
   </p:cSld>
@@ -5430,103 +6246,40 @@
           <a:p>
             <a:r>
               <a:rPr lang="en-US" dirty="0" smtClean="0"/>
-              <a:t>Future Functionality </a:t>
-            </a:r>
-            <a:r>
-              <a:rPr lang="mr-IN" dirty="0" smtClean="0"/>
-              <a:t>–</a:t>
-            </a:r>
-            <a:r>
-              <a:rPr lang="en-US" dirty="0" smtClean="0"/>
-              <a:t> Version 2 !!</a:t>
+              <a:t>Wireframes</a:t>
             </a:r>
             <a:endParaRPr lang="en-US" dirty="0"/>
           </a:p>
         </p:txBody>
       </p:sp>
-      <p:sp>
-        <p:nvSpPr>
-          <p:cNvPr id="3" name="Rectangle 2"/>
-          <p:cNvSpPr>
-            <a:spLocks noGrp="1"/>
-          </p:cNvSpPr>
-          <p:nvPr>
-            <p:ph sz="quarter" idx="13"/>
-          </p:nvPr>
-        </p:nvSpPr>
+      <p:pic>
+        <p:nvPicPr>
+          <p:cNvPr id="5" name="Picture 4"/>
+          <p:cNvPicPr>
+            <a:picLocks noChangeAspect="1"/>
+          </p:cNvPicPr>
+          <p:nvPr/>
+        </p:nvPicPr>
+        <p:blipFill>
+          <a:blip r:embed="rId3"/>
+          <a:stretch>
+            <a:fillRect/>
+          </a:stretch>
+        </p:blipFill>
         <p:spPr>
           <a:xfrm>
-            <a:off x="609600" y="1352551"/>
-            <a:ext cx="8153400" cy="3124199"/>
+            <a:off x="1828800" y="1352550"/>
+            <a:ext cx="5029199" cy="3565077"/>
           </a:xfrm>
+          <a:prstGeom prst="rect">
+            <a:avLst/>
+          </a:prstGeom>
         </p:spPr>
-        <p:txBody>
-          <a:bodyPr>
-            <a:normAutofit fontScale="77500" lnSpcReduction="20000"/>
-          </a:bodyPr>
-          <a:lstStyle>
-            <a:extLst/>
-          </a:lstStyle>
-          <a:p>
-            <a:pPr>
-              <a:buFont typeface="Arial"/>
-              <a:buChar char="•"/>
-            </a:pPr>
-            <a:r>
-              <a:rPr lang="en-US" dirty="0" smtClean="0"/>
-              <a:t>Improve the styling</a:t>
-            </a:r>
-          </a:p>
-          <a:p>
-            <a:pPr>
-              <a:buFont typeface="Arial"/>
-              <a:buChar char="•"/>
-            </a:pPr>
-            <a:r>
-              <a:rPr lang="en-US" dirty="0" smtClean="0"/>
-              <a:t>Update the transactions screen to provide a current month summary by tag of actual spend, budget and remaining amount (this info currently can be viewed via the tag budget screen) </a:t>
-            </a:r>
-          </a:p>
-          <a:p>
-            <a:pPr>
-              <a:buFont typeface="Arial"/>
-              <a:buChar char="•"/>
-            </a:pPr>
-            <a:r>
-              <a:rPr lang="en-US" dirty="0" smtClean="0"/>
-              <a:t>Provide a chart or graph screen which provides a comparison of monthly spending with </a:t>
-            </a:r>
-            <a:r>
-              <a:rPr lang="en-US" dirty="0" err="1" smtClean="0"/>
-              <a:t>colour</a:t>
-            </a:r>
-            <a:r>
-              <a:rPr lang="en-US" dirty="0" smtClean="0"/>
-              <a:t> coding of red/amber/green to show where the user has overspent their monthly budget</a:t>
-            </a:r>
-          </a:p>
-          <a:p>
-            <a:pPr>
-              <a:buFont typeface="Arial"/>
-              <a:buChar char="•"/>
-            </a:pPr>
-            <a:r>
-              <a:rPr lang="en-US" dirty="0" smtClean="0"/>
-              <a:t>Provide filters/searches to restrict the list of transactions by date/vendor/tag</a:t>
-            </a:r>
-          </a:p>
-          <a:p>
-            <a:pPr marL="0" indent="0">
-              <a:buNone/>
-            </a:pPr>
-            <a:endParaRPr lang="en-US" dirty="0"/>
-          </a:p>
-        </p:txBody>
-      </p:sp>
+      </p:pic>
     </p:spTree>
     <p:extLst>
       <p:ext uri="{BB962C8B-B14F-4D97-AF65-F5344CB8AC3E}">
-        <p14:creationId xmlns:p14="http://schemas.microsoft.com/office/powerpoint/2010/main" val="2329941418"/>
+        <p14:creationId xmlns:p14="http://schemas.microsoft.com/office/powerpoint/2010/main" val="1165788446"/>
       </p:ext>
     </p:extLst>
   </p:cSld>
@@ -5579,88 +6332,15 @@
           <a:p>
             <a:r>
               <a:rPr lang="en-US" dirty="0" smtClean="0"/>
-              <a:t>Lessons learned</a:t>
-            </a:r>
-            <a:endParaRPr lang="en-US" dirty="0"/>
-          </a:p>
-        </p:txBody>
-      </p:sp>
-      <p:sp>
-        <p:nvSpPr>
-          <p:cNvPr id="3" name="Rectangle 2"/>
-          <p:cNvSpPr>
-            <a:spLocks noGrp="1"/>
-          </p:cNvSpPr>
-          <p:nvPr>
-            <p:ph sz="quarter" idx="13"/>
-          </p:nvPr>
-        </p:nvSpPr>
-        <p:spPr>
-          <a:xfrm>
-            <a:off x="609600" y="1352551"/>
-            <a:ext cx="8153400" cy="3124199"/>
-          </a:xfrm>
-        </p:spPr>
-        <p:txBody>
-          <a:bodyPr>
-            <a:normAutofit/>
-          </a:bodyPr>
-          <a:lstStyle>
-            <a:extLst/>
-          </a:lstStyle>
-          <a:p>
-            <a:pPr>
-              <a:buFont typeface="Arial"/>
-              <a:buChar char="•"/>
-            </a:pPr>
-            <a:r>
-              <a:rPr lang="en-US" sz="2400" dirty="0" smtClean="0"/>
-              <a:t>Everything takes longer than expected</a:t>
-            </a:r>
-          </a:p>
-          <a:p>
-            <a:pPr>
-              <a:buFont typeface="Arial"/>
-              <a:buChar char="•"/>
-            </a:pPr>
-            <a:r>
-              <a:rPr lang="en-US" sz="2400" dirty="0" smtClean="0"/>
-              <a:t>I know more about manipulating data with dates using months and years !</a:t>
-            </a:r>
-          </a:p>
-          <a:p>
-            <a:pPr>
-              <a:buFont typeface="Arial"/>
-              <a:buChar char="•"/>
-            </a:pPr>
-            <a:endParaRPr lang="en-US" sz="2400" dirty="0" smtClean="0"/>
-          </a:p>
-          <a:p>
-            <a:pPr>
-              <a:buFont typeface="Arial"/>
-              <a:buChar char="•"/>
-            </a:pPr>
-            <a:endParaRPr lang="en-US" dirty="0" smtClean="0"/>
-          </a:p>
-          <a:p>
-            <a:pPr>
-              <a:buFont typeface="Arial"/>
-              <a:buChar char="•"/>
-            </a:pPr>
-            <a:endParaRPr lang="en-US" dirty="0" smtClean="0"/>
-          </a:p>
-          <a:p>
-            <a:pPr>
-              <a:buFont typeface="Arial"/>
-              <a:buChar char="•"/>
-            </a:pPr>
+              <a:t>Wireframes</a:t>
+            </a:r>
             <a:endParaRPr lang="en-US" dirty="0"/>
           </a:p>
         </p:txBody>
       </p:sp>
       <p:pic>
         <p:nvPicPr>
-          <p:cNvPr id="4" name="Picture 3"/>
+          <p:cNvPr id="3" name="Picture 2"/>
           <p:cNvPicPr>
             <a:picLocks noChangeAspect="1"/>
           </p:cNvPicPr>
@@ -5674,8 +6354,8 @@
         </p:blipFill>
         <p:spPr>
           <a:xfrm>
-            <a:off x="1219200" y="2800350"/>
-            <a:ext cx="7086600" cy="1653071"/>
+            <a:off x="1676400" y="1259930"/>
+            <a:ext cx="5638800" cy="3775188"/>
           </a:xfrm>
           <a:prstGeom prst="rect">
             <a:avLst/>
@@ -5685,7 +6365,7 @@
     </p:spTree>
     <p:extLst>
       <p:ext uri="{BB962C8B-B14F-4D97-AF65-F5344CB8AC3E}">
-        <p14:creationId xmlns:p14="http://schemas.microsoft.com/office/powerpoint/2010/main" val="1265696758"/>
+        <p14:creationId xmlns:p14="http://schemas.microsoft.com/office/powerpoint/2010/main" val="1176279805"/>
       </p:ext>
     </p:extLst>
   </p:cSld>

--- a/I Can Do It List Presentation.pptx
+++ b/I Can Do It List Presentation.pptx
@@ -5,7 +5,7 @@
     <p:sldMasterId id="2147483648" r:id="rId1"/>
   </p:sldMasterIdLst>
   <p:notesMasterIdLst>
-    <p:notesMasterId r:id="rId14"/>
+    <p:notesMasterId r:id="rId13"/>
   </p:notesMasterIdLst>
   <p:sldIdLst>
     <p:sldId id="256" r:id="rId2"/>
@@ -19,7 +19,6 @@
     <p:sldId id="276" r:id="rId10"/>
     <p:sldId id="269" r:id="rId11"/>
     <p:sldId id="272" r:id="rId12"/>
-    <p:sldId id="261" r:id="rId13"/>
   </p:sldIdLst>
   <p:sldSz cx="9144000" cy="5143500" type="screen16x9"/>
   <p:notesSz cx="6858000" cy="9144000"/>
@@ -722,90 +721,6 @@
               <a:rPr lang="en-US" smtClean="0"/>
               <a:pPr/>
               <a:t>11</a:t>
-            </a:fld>
-            <a:endParaRPr lang="en-US"/>
-          </a:p>
-        </p:txBody>
-      </p:sp>
-    </p:spTree>
-  </p:cSld>
-  <p:clrMapOvr>
-    <a:masterClrMapping/>
-  </p:clrMapOvr>
-</p:notes>
-</file>
-
-<file path=ppt/notesSlides/notesSlide12.xml><?xml version="1.0" encoding="utf-8"?>
-<p:notes xmlns:a="http://schemas.openxmlformats.org/drawingml/2006/main" xmlns:r="http://schemas.openxmlformats.org/officeDocument/2006/relationships" xmlns:p="http://schemas.openxmlformats.org/presentationml/2006/main">
-  <p:cSld>
-    <p:spTree>
-      <p:nvGrpSpPr>
-        <p:cNvPr id="1" name=""/>
-        <p:cNvGrpSpPr/>
-        <p:nvPr/>
-      </p:nvGrpSpPr>
-      <p:grpSpPr>
-        <a:xfrm>
-          <a:off x="0" y="0"/>
-          <a:ext cx="0" cy="0"/>
-          <a:chOff x="0" y="0"/>
-          <a:chExt cx="0" cy="0"/>
-        </a:xfrm>
-      </p:grpSpPr>
-      <p:sp>
-        <p:nvSpPr>
-          <p:cNvPr id="2" name="Rectangle 1"/>
-          <p:cNvSpPr>
-            <a:spLocks noGrp="1" noRot="1" noChangeAspect="1"/>
-          </p:cNvSpPr>
-          <p:nvPr>
-            <p:ph type="sldImg"/>
-          </p:nvPr>
-        </p:nvSpPr>
-        <p:spPr/>
-      </p:sp>
-      <p:sp>
-        <p:nvSpPr>
-          <p:cNvPr id="3" name="Rectangle 2"/>
-          <p:cNvSpPr>
-            <a:spLocks noGrp="1"/>
-          </p:cNvSpPr>
-          <p:nvPr>
-            <p:ph type="body" idx="1"/>
-          </p:nvPr>
-        </p:nvSpPr>
-        <p:spPr/>
-        <p:txBody>
-          <a:bodyPr/>
-          <a:lstStyle>
-            <a:extLst/>
-          </a:lstStyle>
-          <a:p>
-            <a:endParaRPr lang="en-US"/>
-          </a:p>
-        </p:txBody>
-      </p:sp>
-      <p:sp>
-        <p:nvSpPr>
-          <p:cNvPr id="4" name="Rectangle 3"/>
-          <p:cNvSpPr>
-            <a:spLocks noGrp="1"/>
-          </p:cNvSpPr>
-          <p:nvPr>
-            <p:ph type="sldNum" sz="quarter" idx="10"/>
-          </p:nvPr>
-        </p:nvSpPr>
-        <p:spPr/>
-        <p:txBody>
-          <a:bodyPr/>
-          <a:lstStyle>
-            <a:extLst/>
-          </a:lstStyle>
-          <a:p>
-            <a:fld id="{CA5D3BF3-D352-46FC-8343-31F56E6730EA}" type="slidenum">
-              <a:rPr lang="en-US" smtClean="0"/>
-              <a:pPr/>
-              <a:t>12</a:t>
             </a:fld>
             <a:endParaRPr lang="en-US"/>
           </a:p>
@@ -5248,7 +5163,7 @@
             </a:pPr>
             <a:r>
               <a:rPr lang="en-US" sz="2400" dirty="0" smtClean="0"/>
-              <a:t>I think I would prefer to work with a database rather than shared preferences </a:t>
+              <a:t>I think I would prefer to work with a database rather than shared preferences !</a:t>
             </a:r>
             <a:endParaRPr lang="en-US" sz="2400" dirty="0" smtClean="0"/>
           </a:p>
@@ -5291,82 +5206,6 @@
   </p:cSld>
   <p:clrMapOvr>
     <a:masterClrMapping/>
-  </p:clrMapOvr>
-  <p:timing>
-    <p:tnLst>
-      <p:par>
-        <p:cTn xmlns:p14="http://schemas.microsoft.com/office/powerpoint/2010/main" id="1" dur="indefinite" restart="never" nodeType="tmRoot"/>
-      </p:par>
-    </p:tnLst>
-  </p:timing>
-</p:sld>
-</file>
-
-<file path=ppt/slides/slide12.xml><?xml version="1.0" encoding="utf-8"?>
-<p:sld xmlns:a="http://schemas.openxmlformats.org/drawingml/2006/main" xmlns:r="http://schemas.openxmlformats.org/officeDocument/2006/relationships" xmlns:p="http://schemas.openxmlformats.org/presentationml/2006/main">
-  <p:cSld>
-    <p:bg>
-      <p:bgRef idx="1001">
-        <a:schemeClr val="bg2"/>
-      </p:bgRef>
-    </p:bg>
-    <p:spTree>
-      <p:nvGrpSpPr>
-        <p:cNvPr id="1" name=""/>
-        <p:cNvGrpSpPr/>
-        <p:nvPr/>
-      </p:nvGrpSpPr>
-      <p:grpSpPr>
-        <a:xfrm>
-          <a:off x="0" y="0"/>
-          <a:ext cx="0" cy="0"/>
-          <a:chOff x="0" y="0"/>
-          <a:chExt cx="0" cy="0"/>
-        </a:xfrm>
-      </p:grpSpPr>
-      <p:sp>
-        <p:nvSpPr>
-          <p:cNvPr id="4" name="Rectangle 3"/>
-          <p:cNvSpPr>
-            <a:spLocks noGrp="1"/>
-          </p:cNvSpPr>
-          <p:nvPr>
-            <p:ph type="title"/>
-          </p:nvPr>
-        </p:nvSpPr>
-        <p:spPr/>
-        <p:txBody>
-          <a:bodyPr>
-            <a:normAutofit fontScale="90000"/>
-          </a:bodyPr>
-          <a:lstStyle>
-            <a:extLst/>
-          </a:lstStyle>
-          <a:p>
-            <a:r>
-              <a:rPr lang="en-US" dirty="0" smtClean="0"/>
-              <a:t>Now here’s the demo !</a:t>
-            </a:r>
-            <a:endParaRPr lang="en-US" dirty="0"/>
-          </a:p>
-        </p:txBody>
-      </p:sp>
-      <p:sp>
-        <p:nvSpPr>
-          <p:cNvPr id="2" name="Picture Placeholder 1"/>
-          <p:cNvSpPr>
-            <a:spLocks noGrp="1"/>
-          </p:cNvSpPr>
-          <p:nvPr>
-            <p:ph type="pic" idx="1"/>
-          </p:nvPr>
-        </p:nvSpPr>
-        <p:spPr/>
-      </p:sp>
-    </p:spTree>
-  </p:cSld>
-  <p:clrMapOvr>
-    <a:overrideClrMapping bg1="dk1" tx1="lt1" bg2="dk2" tx2="lt2" accent1="accent1" accent2="accent2" accent3="accent3" accent4="accent4" accent5="accent5" accent6="accent6" hlink="hlink" folHlink="folHlink"/>
   </p:clrMapOvr>
   <p:timing>
     <p:tnLst>
